--- a/课程PPT/5.4  白盒测试技术-对于路径的测试 .pptx
+++ b/课程PPT/5.4  白盒测试技术-对于路径的测试 .pptx
@@ -15014,8 +15014,8 @@
         </p:nvSpPr>
         <p:spPr>
           <a:xfrm>
-            <a:off x="395536" y="1896581"/>
-            <a:ext cx="6768752" cy="1569660"/>
+            <a:off x="395536" y="1268760"/>
+            <a:ext cx="6264696" cy="1938992"/>
           </a:xfrm>
           <a:prstGeom prst="rect">
             <a:avLst/>
@@ -15220,14 +15220,7 @@
                 <a:latin typeface="楷体" panose="02010609060101010101" pitchFamily="49" charset="-122"/>
                 <a:cs typeface="+mn-cs"/>
               </a:rPr>
-              <a:t>不</a:t>
-            </a:r>
-            <a:r>
-              <a:rPr lang="zh-CN" altLang="en-US" sz="3200" dirty="0">
-                <a:latin typeface="楷体" panose="02010609060101010101" pitchFamily="49" charset="-122"/>
-                <a:cs typeface="+mn-cs"/>
-              </a:rPr>
-              <a:t>可行路径的处理</a:t>
+              <a:t>不可行路径的处理</a:t>
             </a:r>
             <a:endParaRPr lang="en-US" altLang="zh-CN" sz="3200" dirty="0">
               <a:latin typeface="楷体" panose="02010609060101010101" pitchFamily="49" charset="-122"/>
@@ -17265,7 +17258,6 @@
               <a:rPr lang="zh-CN" altLang="en-US" kern="1200" dirty="0"/>
               <a:t>路径覆盖</a:t>
             </a:r>
-            <a:endParaRPr lang="zh-CN" altLang="en-US" kern="1200" dirty="0"/>
           </a:p>
         </p:txBody>
       </p:sp>
@@ -18522,7 +18514,27 @@
             <a:pPr lvl="1"/>
             <a:r>
               <a:rPr lang="zh-CN" altLang="en-US" b="1" dirty="0" smtClean="0"/>
-              <a:t>节点有带标号的圆圈表示，表示一个或无分支的源程序语句</a:t>
+              <a:t>节点有带标号的圆圈表示</a:t>
+            </a:r>
+            <a:r>
+              <a:rPr lang="zh-CN" altLang="en-US" b="1" smtClean="0"/>
+              <a:t>，</a:t>
+            </a:r>
+            <a:r>
+              <a:rPr lang="zh-CN" altLang="en-US" b="1" smtClean="0"/>
+              <a:t>表示无</a:t>
+            </a:r>
+            <a:r>
+              <a:rPr lang="zh-CN" altLang="en-US" b="1" smtClean="0"/>
+              <a:t>分支</a:t>
+            </a:r>
+            <a:r>
+              <a:rPr lang="zh-CN" altLang="en-US" b="1" smtClean="0"/>
+              <a:t>的一条或多条源程序</a:t>
+            </a:r>
+            <a:r>
+              <a:rPr lang="zh-CN" altLang="en-US" b="1" dirty="0" smtClean="0"/>
+              <a:t>语句</a:t>
             </a:r>
             <a:endParaRPr lang="en-US" altLang="zh-CN" b="1" dirty="0" smtClean="0"/>
           </a:p>

--- a/课程PPT/5.4  白盒测试技术-对于路径的测试 .pptx
+++ b/课程PPT/5.4  白盒测试技术-对于路径的测试 .pptx
@@ -53,7 +53,7 @@
     <p:sldId id="463" r:id="rId41"/>
     <p:sldId id="316" r:id="rId42"/>
   </p:sldIdLst>
-  <p:sldSz cx="9144000" cy="6858000" type="screen4x3"/>
+  <p:sldSz cx="9144000" cy="5143500" type="screen16x9"/>
   <p:notesSz cx="6858000" cy="9144000"/>
   <p:defaultTextStyle>
     <a:defPPr>
@@ -557,8 +557,8 @@
         </p:nvSpPr>
         <p:spPr bwMode="auto">
           <a:xfrm>
-            <a:off x="1143000" y="685800"/>
-            <a:ext cx="4572000" cy="3429000"/>
+            <a:off x="381000" y="685800"/>
+            <a:ext cx="6096000" cy="3429000"/>
           </a:xfrm>
           <a:prstGeom prst="rect">
             <a:avLst/>
@@ -921,8 +921,8 @@
         </p:nvSpPr>
         <p:spPr>
           <a:xfrm>
-            <a:off x="791580" y="1484784"/>
-            <a:ext cx="7772400" cy="1128192"/>
+            <a:off x="791580" y="1113588"/>
+            <a:ext cx="7772400" cy="846144"/>
           </a:xfrm>
         </p:spPr>
         <p:txBody>
@@ -953,8 +953,8 @@
         </p:nvSpPr>
         <p:spPr>
           <a:xfrm>
-            <a:off x="1447800" y="3429000"/>
-            <a:ext cx="7010400" cy="1600200"/>
+            <a:off x="1447800" y="2571750"/>
+            <a:ext cx="7010400" cy="1200150"/>
           </a:xfrm>
         </p:spPr>
         <p:txBody>
@@ -1002,8 +1002,8 @@
         </p:blipFill>
         <p:spPr>
           <a:xfrm>
-            <a:off x="6588224" y="6080574"/>
-            <a:ext cx="2407143" cy="647619"/>
+            <a:off x="6588225" y="4560431"/>
+            <a:ext cx="2407143" cy="485714"/>
           </a:xfrm>
           <a:prstGeom prst="rect">
             <a:avLst/>
@@ -1160,8 +1160,8 @@
         </p:nvSpPr>
         <p:spPr>
           <a:xfrm>
-            <a:off x="609600" y="6245225"/>
-            <a:ext cx="1981200" cy="476250"/>
+            <a:off x="609600" y="4683919"/>
+            <a:ext cx="1981200" cy="357188"/>
           </a:xfrm>
           <a:prstGeom prst="rect">
             <a:avLst/>
@@ -1355,8 +1355,8 @@
         </p:nvSpPr>
         <p:spPr>
           <a:xfrm>
-            <a:off x="609600" y="6245225"/>
-            <a:ext cx="1981200" cy="476250"/>
+            <a:off x="609600" y="4683919"/>
+            <a:ext cx="1981200" cy="357188"/>
           </a:xfrm>
           <a:prstGeom prst="rect">
             <a:avLst/>
@@ -1390,8 +1390,8 @@
         </p:nvSpPr>
         <p:spPr>
           <a:xfrm>
-            <a:off x="3124200" y="6245225"/>
-            <a:ext cx="2895600" cy="476250"/>
+            <a:off x="3124200" y="4683919"/>
+            <a:ext cx="2895600" cy="357188"/>
           </a:xfrm>
           <a:prstGeom prst="rect">
             <a:avLst/>
@@ -1466,8 +1466,8 @@
         </p:nvSpPr>
         <p:spPr>
           <a:xfrm>
-            <a:off x="722313" y="4406902"/>
-            <a:ext cx="7772400" cy="1362075"/>
+            <a:off x="722313" y="3305177"/>
+            <a:ext cx="7772400" cy="1021556"/>
           </a:xfrm>
         </p:spPr>
         <p:txBody>
@@ -1498,8 +1498,8 @@
         </p:nvSpPr>
         <p:spPr>
           <a:xfrm>
-            <a:off x="722313" y="2906713"/>
-            <a:ext cx="7772400" cy="1500187"/>
+            <a:off x="722313" y="2180035"/>
+            <a:ext cx="7772400" cy="1125140"/>
           </a:xfrm>
         </p:spPr>
         <p:txBody>
@@ -1563,8 +1563,8 @@
         </p:nvSpPr>
         <p:spPr>
           <a:xfrm>
-            <a:off x="609600" y="6245225"/>
-            <a:ext cx="1981200" cy="476250"/>
+            <a:off x="609600" y="4683919"/>
+            <a:ext cx="1981200" cy="357188"/>
           </a:xfrm>
           <a:prstGeom prst="rect">
             <a:avLst/>
@@ -1598,8 +1598,8 @@
         </p:nvSpPr>
         <p:spPr>
           <a:xfrm>
-            <a:off x="3124200" y="6245225"/>
-            <a:ext cx="2895600" cy="476250"/>
+            <a:off x="3124200" y="4683919"/>
+            <a:ext cx="2895600" cy="357188"/>
           </a:xfrm>
           <a:prstGeom prst="rect">
             <a:avLst/>
@@ -1633,8 +1633,8 @@
         </p:nvSpPr>
         <p:spPr>
           <a:xfrm>
-            <a:off x="6553200" y="6245225"/>
-            <a:ext cx="1981200" cy="476250"/>
+            <a:off x="6553200" y="4683919"/>
+            <a:ext cx="1981200" cy="357188"/>
           </a:xfrm>
           <a:prstGeom prst="rect">
             <a:avLst/>
@@ -1731,8 +1731,8 @@
         </p:nvSpPr>
         <p:spPr>
           <a:xfrm>
-            <a:off x="566738" y="1752600"/>
-            <a:ext cx="3924300" cy="4267200"/>
+            <a:off x="566738" y="1314450"/>
+            <a:ext cx="3924300" cy="3200400"/>
           </a:xfrm>
         </p:spPr>
         <p:txBody>
@@ -1814,8 +1814,8 @@
         </p:nvSpPr>
         <p:spPr>
           <a:xfrm>
-            <a:off x="4643438" y="1752600"/>
-            <a:ext cx="3924300" cy="4267200"/>
+            <a:off x="4643438" y="1314450"/>
+            <a:ext cx="3924300" cy="3200400"/>
           </a:xfrm>
         </p:spPr>
         <p:txBody>
@@ -1897,8 +1897,8 @@
         </p:nvSpPr>
         <p:spPr>
           <a:xfrm>
-            <a:off x="609600" y="6245225"/>
-            <a:ext cx="1981200" cy="476250"/>
+            <a:off x="609600" y="4683919"/>
+            <a:ext cx="1981200" cy="357188"/>
           </a:xfrm>
           <a:prstGeom prst="rect">
             <a:avLst/>
@@ -1932,8 +1932,8 @@
         </p:nvSpPr>
         <p:spPr>
           <a:xfrm>
-            <a:off x="3124200" y="6245225"/>
-            <a:ext cx="2895600" cy="476250"/>
+            <a:off x="3124200" y="4683919"/>
+            <a:ext cx="2895600" cy="357188"/>
           </a:xfrm>
           <a:prstGeom prst="rect">
             <a:avLst/>
@@ -1967,8 +1967,8 @@
         </p:nvSpPr>
         <p:spPr>
           <a:xfrm>
-            <a:off x="6553200" y="6245225"/>
-            <a:ext cx="1981200" cy="476250"/>
+            <a:off x="6553200" y="4683919"/>
+            <a:ext cx="1981200" cy="357188"/>
           </a:xfrm>
           <a:prstGeom prst="rect">
             <a:avLst/>
@@ -2065,8 +2065,8 @@
         </p:nvSpPr>
         <p:spPr>
           <a:xfrm>
-            <a:off x="609600" y="6245225"/>
-            <a:ext cx="1981200" cy="476250"/>
+            <a:off x="609600" y="4683919"/>
+            <a:ext cx="1981200" cy="357188"/>
           </a:xfrm>
           <a:prstGeom prst="rect">
             <a:avLst/>
@@ -2100,8 +2100,8 @@
         </p:nvSpPr>
         <p:spPr>
           <a:xfrm>
-            <a:off x="3124200" y="6245225"/>
-            <a:ext cx="2895600" cy="476250"/>
+            <a:off x="3124200" y="4683919"/>
+            <a:ext cx="2895600" cy="357188"/>
           </a:xfrm>
           <a:prstGeom prst="rect">
             <a:avLst/>
@@ -2135,8 +2135,8 @@
         </p:nvSpPr>
         <p:spPr>
           <a:xfrm>
-            <a:off x="6553200" y="6245225"/>
-            <a:ext cx="1981200" cy="476250"/>
+            <a:off x="6553200" y="4683919"/>
+            <a:ext cx="1981200" cy="357188"/>
           </a:xfrm>
           <a:prstGeom prst="rect">
             <a:avLst/>
@@ -2210,8 +2210,8 @@
         </p:nvSpPr>
         <p:spPr>
           <a:xfrm>
-            <a:off x="845586" y="2636912"/>
-            <a:ext cx="7772400" cy="1128192"/>
+            <a:off x="845586" y="1977684"/>
+            <a:ext cx="7772400" cy="846144"/>
           </a:xfrm>
         </p:spPr>
         <p:txBody>
@@ -2242,8 +2242,8 @@
         </p:nvSpPr>
         <p:spPr>
           <a:xfrm>
-            <a:off x="685800" y="6248400"/>
-            <a:ext cx="1905000" cy="457200"/>
+            <a:off x="685800" y="4686300"/>
+            <a:ext cx="1905000" cy="342900"/>
           </a:xfrm>
           <a:prstGeom prst="rect">
             <a:avLst/>
@@ -2276,8 +2276,8 @@
         </p:nvSpPr>
         <p:spPr>
           <a:xfrm>
-            <a:off x="3124200" y="6248400"/>
-            <a:ext cx="2895600" cy="457200"/>
+            <a:off x="3124200" y="4686300"/>
+            <a:ext cx="2895600" cy="342900"/>
           </a:xfrm>
           <a:prstGeom prst="rect">
             <a:avLst/>
@@ -2310,8 +2310,8 @@
         </p:nvSpPr>
         <p:spPr>
           <a:xfrm>
-            <a:off x="6553200" y="6248400"/>
-            <a:ext cx="1905000" cy="457200"/>
+            <a:off x="6553200" y="4686300"/>
+            <a:ext cx="1905000" cy="342900"/>
           </a:xfrm>
           <a:prstGeom prst="rect">
             <a:avLst/>
@@ -2393,8 +2393,8 @@
         </p:nvSpPr>
         <p:spPr bwMode="auto">
           <a:xfrm>
-            <a:off x="513438" y="260648"/>
-            <a:ext cx="8001000" cy="720080"/>
+            <a:off x="513438" y="195486"/>
+            <a:ext cx="8001000" cy="540060"/>
           </a:xfrm>
           <a:prstGeom prst="rect">
             <a:avLst/>
@@ -2451,8 +2451,8 @@
         </p:nvSpPr>
         <p:spPr bwMode="auto">
           <a:xfrm>
-            <a:off x="521550" y="1196752"/>
-            <a:ext cx="8001000" cy="4267200"/>
+            <a:off x="521550" y="897564"/>
+            <a:ext cx="8001000" cy="3200400"/>
           </a:xfrm>
           <a:prstGeom prst="rect">
             <a:avLst/>
@@ -2543,8 +2543,8 @@
         </p:nvSpPr>
         <p:spPr bwMode="auto">
           <a:xfrm>
-            <a:off x="521551" y="980728"/>
-            <a:ext cx="7958138" cy="109537"/>
+            <a:off x="521551" y="735546"/>
+            <a:ext cx="7958138" cy="82153"/>
           </a:xfrm>
           <a:custGeom>
             <a:avLst/>
@@ -2649,7 +2649,7 @@
         </p:nvSpPr>
         <p:spPr bwMode="auto">
           <a:xfrm flipV="1">
-            <a:off x="521550" y="5949280"/>
+            <a:off x="521550" y="4461960"/>
             <a:ext cx="7924800" cy="0"/>
           </a:xfrm>
           <a:prstGeom prst="line">
@@ -3168,8 +3168,8 @@
         </p:nvSpPr>
         <p:spPr>
           <a:xfrm>
-            <a:off x="611560" y="1916832"/>
-            <a:ext cx="7772400" cy="1128192"/>
+            <a:off x="611560" y="1437624"/>
+            <a:ext cx="7772400" cy="846144"/>
           </a:xfrm>
         </p:spPr>
         <p:txBody>
@@ -3393,8 +3393,8 @@
         </p:nvSpPr>
         <p:spPr>
           <a:xfrm>
-            <a:off x="7162800" y="6245225"/>
-            <a:ext cx="1981200" cy="476250"/>
+            <a:off x="7162800" y="4683919"/>
+            <a:ext cx="1981200" cy="357188"/>
           </a:xfrm>
           <a:prstGeom prst="rect">
             <a:avLst/>
@@ -3841,8 +3841,8 @@
         </p:nvSpPr>
         <p:spPr>
           <a:xfrm>
-            <a:off x="7162800" y="6245225"/>
-            <a:ext cx="1981200" cy="476250"/>
+            <a:off x="7162800" y="4683919"/>
+            <a:ext cx="1981200" cy="357188"/>
           </a:xfrm>
           <a:prstGeom prst="rect">
             <a:avLst/>
@@ -4282,8 +4282,8 @@
         </p:nvSpPr>
         <p:spPr>
           <a:xfrm>
-            <a:off x="7162800" y="6245225"/>
-            <a:ext cx="1981200" cy="476250"/>
+            <a:off x="7162800" y="4683919"/>
+            <a:ext cx="1981200" cy="357188"/>
           </a:xfrm>
           <a:prstGeom prst="rect">
             <a:avLst/>
@@ -4538,7 +4538,7 @@
         </p:nvSpPr>
         <p:spPr>
           <a:xfrm>
-            <a:off x="755576" y="2471194"/>
+            <a:off x="755576" y="1853396"/>
             <a:ext cx="6609811" cy="492443"/>
           </a:xfrm>
           <a:prstGeom prst="rect">
@@ -4714,8 +4714,8 @@
         </p:nvSpPr>
         <p:spPr>
           <a:xfrm>
-            <a:off x="7162800" y="6245225"/>
-            <a:ext cx="1981200" cy="476250"/>
+            <a:off x="7162800" y="4683919"/>
+            <a:ext cx="1981200" cy="357188"/>
           </a:xfrm>
           <a:prstGeom prst="rect">
             <a:avLst/>
@@ -4762,8 +4762,8 @@
         </p:blipFill>
         <p:spPr bwMode="auto">
           <a:xfrm>
-            <a:off x="3923928" y="2564904"/>
-            <a:ext cx="3800344" cy="3756200"/>
+            <a:off x="3923928" y="1923678"/>
+            <a:ext cx="3800344" cy="2817150"/>
           </a:xfrm>
           <a:prstGeom prst="rect">
             <a:avLst/>
@@ -4845,8 +4845,8 @@
         </p:nvSpPr>
         <p:spPr>
           <a:xfrm>
-            <a:off x="7162800" y="6245225"/>
-            <a:ext cx="1981200" cy="476250"/>
+            <a:off x="7162800" y="4683919"/>
+            <a:ext cx="1981200" cy="357188"/>
           </a:xfrm>
           <a:prstGeom prst="rect">
             <a:avLst/>
@@ -4880,8 +4880,8 @@
         </p:nvCxnSpPr>
         <p:spPr bwMode="auto">
           <a:xfrm flipH="1">
-            <a:off x="1727896" y="4293098"/>
-            <a:ext cx="341933" cy="1255009"/>
+            <a:off x="1727897" y="3219824"/>
+            <a:ext cx="341933" cy="941257"/>
           </a:xfrm>
           <a:prstGeom prst="straightConnector1">
             <a:avLst/>
@@ -4909,8 +4909,8 @@
         </p:nvSpPr>
         <p:spPr bwMode="auto">
           <a:xfrm>
-            <a:off x="1090280" y="2739719"/>
-            <a:ext cx="683865" cy="575990"/>
+            <a:off x="1090281" y="2054789"/>
+            <a:ext cx="683865" cy="431993"/>
           </a:xfrm>
           <a:prstGeom prst="ellipse">
             <a:avLst/>
@@ -4987,8 +4987,8 @@
         </p:nvSpPr>
         <p:spPr bwMode="auto">
           <a:xfrm>
-            <a:off x="71711" y="3685921"/>
-            <a:ext cx="683865" cy="618577"/>
+            <a:off x="71711" y="2764441"/>
+            <a:ext cx="683865" cy="463933"/>
           </a:xfrm>
           <a:prstGeom prst="ellipse">
             <a:avLst/>
@@ -5058,8 +5058,8 @@
         </p:nvSpPr>
         <p:spPr bwMode="auto">
           <a:xfrm>
-            <a:off x="935807" y="3789188"/>
-            <a:ext cx="683865" cy="575990"/>
+            <a:off x="935808" y="2841891"/>
+            <a:ext cx="683865" cy="431993"/>
           </a:xfrm>
           <a:prstGeom prst="ellipse">
             <a:avLst/>
@@ -5136,8 +5136,8 @@
         </p:nvCxnSpPr>
         <p:spPr bwMode="auto">
           <a:xfrm flipH="1">
-            <a:off x="439767" y="3231357"/>
-            <a:ext cx="776785" cy="454562"/>
+            <a:off x="439768" y="2423518"/>
+            <a:ext cx="776785" cy="340922"/>
           </a:xfrm>
           <a:prstGeom prst="straightConnector1">
             <a:avLst/>
@@ -5165,8 +5165,8 @@
         </p:nvCxnSpPr>
         <p:spPr bwMode="auto">
           <a:xfrm>
-            <a:off x="598682" y="4304498"/>
-            <a:ext cx="833531" cy="1327961"/>
+            <a:off x="598683" y="3228374"/>
+            <a:ext cx="833531" cy="995971"/>
           </a:xfrm>
           <a:prstGeom prst="straightConnector1">
             <a:avLst/>
@@ -5196,8 +5196,8 @@
         </p:nvCxnSpPr>
         <p:spPr bwMode="auto">
           <a:xfrm flipH="1">
-            <a:off x="1277740" y="3303328"/>
-            <a:ext cx="92476" cy="485860"/>
+            <a:off x="1277740" y="2477496"/>
+            <a:ext cx="92476" cy="364395"/>
           </a:xfrm>
           <a:prstGeom prst="straightConnector1">
             <a:avLst/>
@@ -5227,8 +5227,8 @@
         </p:nvCxnSpPr>
         <p:spPr bwMode="auto">
           <a:xfrm>
-            <a:off x="1277741" y="4365180"/>
-            <a:ext cx="396255" cy="1182927"/>
+            <a:off x="1277742" y="3273885"/>
+            <a:ext cx="396255" cy="887195"/>
           </a:xfrm>
           <a:prstGeom prst="straightConnector1">
             <a:avLst/>
@@ -5256,8 +5256,8 @@
         </p:nvSpPr>
         <p:spPr bwMode="auto">
           <a:xfrm>
-            <a:off x="1079824" y="1700882"/>
-            <a:ext cx="683865" cy="575990"/>
+            <a:off x="1079825" y="1275661"/>
+            <a:ext cx="683865" cy="431993"/>
           </a:xfrm>
           <a:prstGeom prst="ellipse">
             <a:avLst/>
@@ -5336,8 +5336,8 @@
         </p:nvCxnSpPr>
         <p:spPr bwMode="auto">
           <a:xfrm flipH="1">
-            <a:off x="1432213" y="2276874"/>
-            <a:ext cx="16207" cy="462847"/>
+            <a:off x="1432214" y="1707656"/>
+            <a:ext cx="16207" cy="347135"/>
           </a:xfrm>
           <a:prstGeom prst="straightConnector1">
             <a:avLst/>
@@ -5365,8 +5365,8 @@
         </p:nvSpPr>
         <p:spPr bwMode="auto">
           <a:xfrm>
-            <a:off x="1727896" y="3717106"/>
-            <a:ext cx="683865" cy="575990"/>
+            <a:off x="1727897" y="2787829"/>
+            <a:ext cx="683865" cy="431993"/>
           </a:xfrm>
           <a:prstGeom prst="ellipse">
             <a:avLst/>
@@ -5445,8 +5445,8 @@
         </p:nvCxnSpPr>
         <p:spPr bwMode="auto">
           <a:xfrm>
-            <a:off x="1673995" y="3231357"/>
-            <a:ext cx="341511" cy="493747"/>
+            <a:off x="1673996" y="2423518"/>
+            <a:ext cx="341511" cy="370310"/>
           </a:xfrm>
           <a:prstGeom prst="straightConnector1">
             <a:avLst/>
@@ -5474,8 +5474,8 @@
         </p:nvSpPr>
         <p:spPr bwMode="auto">
           <a:xfrm>
-            <a:off x="2591992" y="3645172"/>
-            <a:ext cx="683865" cy="575990"/>
+            <a:off x="2591993" y="2733879"/>
+            <a:ext cx="683865" cy="431993"/>
           </a:xfrm>
           <a:prstGeom prst="ellipse">
             <a:avLst/>
@@ -5555,8 +5555,8 @@
         </p:nvCxnSpPr>
         <p:spPr bwMode="auto">
           <a:xfrm>
-            <a:off x="1774145" y="3027714"/>
-            <a:ext cx="917997" cy="701810"/>
+            <a:off x="1774146" y="2270785"/>
+            <a:ext cx="917997" cy="526358"/>
           </a:xfrm>
           <a:prstGeom prst="straightConnector1">
             <a:avLst/>
@@ -5586,8 +5586,8 @@
         </p:nvCxnSpPr>
         <p:spPr bwMode="auto">
           <a:xfrm flipH="1">
-            <a:off x="1915778" y="4221164"/>
-            <a:ext cx="1018147" cy="1411295"/>
+            <a:off x="1915779" y="3165874"/>
+            <a:ext cx="1018147" cy="1058471"/>
           </a:xfrm>
           <a:prstGeom prst="straightConnector1">
             <a:avLst/>
@@ -5615,8 +5615,8 @@
         </p:nvSpPr>
         <p:spPr bwMode="auto">
           <a:xfrm>
-            <a:off x="5436097" y="5473689"/>
-            <a:ext cx="683865" cy="575990"/>
+            <a:off x="5436098" y="4105267"/>
+            <a:ext cx="683865" cy="431993"/>
           </a:xfrm>
           <a:prstGeom prst="ellipse">
             <a:avLst/>
@@ -5695,8 +5695,8 @@
         </p:nvCxnSpPr>
         <p:spPr bwMode="auto">
           <a:xfrm flipH="1">
-            <a:off x="6003318" y="4284677"/>
-            <a:ext cx="341933" cy="1255009"/>
+            <a:off x="6003319" y="3213508"/>
+            <a:ext cx="341933" cy="941257"/>
           </a:xfrm>
           <a:prstGeom prst="straightConnector1">
             <a:avLst/>
@@ -5724,8 +5724,8 @@
         </p:nvSpPr>
         <p:spPr bwMode="auto">
           <a:xfrm>
-            <a:off x="5194736" y="2667637"/>
-            <a:ext cx="683865" cy="575990"/>
+            <a:off x="5194737" y="2000728"/>
+            <a:ext cx="683865" cy="431993"/>
           </a:xfrm>
           <a:prstGeom prst="ellipse">
             <a:avLst/>
@@ -5802,8 +5802,8 @@
         </p:nvSpPr>
         <p:spPr bwMode="auto">
           <a:xfrm>
-            <a:off x="4176167" y="3613839"/>
-            <a:ext cx="683865" cy="618577"/>
+            <a:off x="4176168" y="2710380"/>
+            <a:ext cx="683865" cy="463933"/>
           </a:xfrm>
           <a:prstGeom prst="ellipse">
             <a:avLst/>
@@ -5873,8 +5873,8 @@
         </p:nvSpPr>
         <p:spPr bwMode="auto">
           <a:xfrm>
-            <a:off x="5040263" y="3717106"/>
-            <a:ext cx="683865" cy="575990"/>
+            <a:off x="5040264" y="2787829"/>
+            <a:ext cx="683865" cy="431993"/>
           </a:xfrm>
           <a:prstGeom prst="ellipse">
             <a:avLst/>
@@ -5951,8 +5951,8 @@
         </p:nvCxnSpPr>
         <p:spPr bwMode="auto">
           <a:xfrm flipH="1">
-            <a:off x="4544223" y="3159275"/>
-            <a:ext cx="776785" cy="454562"/>
+            <a:off x="4544224" y="2369456"/>
+            <a:ext cx="776785" cy="340922"/>
           </a:xfrm>
           <a:prstGeom prst="straightConnector1">
             <a:avLst/>
@@ -5980,8 +5980,8 @@
         </p:nvCxnSpPr>
         <p:spPr bwMode="auto">
           <a:xfrm>
-            <a:off x="4703138" y="4232416"/>
-            <a:ext cx="833531" cy="1327961"/>
+            <a:off x="4703139" y="3174312"/>
+            <a:ext cx="833531" cy="995971"/>
           </a:xfrm>
           <a:prstGeom prst="straightConnector1">
             <a:avLst/>
@@ -6012,8 +6012,8 @@
         </p:nvCxnSpPr>
         <p:spPr bwMode="auto">
           <a:xfrm flipH="1">
-            <a:off x="5382196" y="3192174"/>
-            <a:ext cx="1076092" cy="524932"/>
+            <a:off x="5382196" y="2394131"/>
+            <a:ext cx="1076092" cy="393699"/>
           </a:xfrm>
           <a:prstGeom prst="straightConnector1">
             <a:avLst/>
@@ -6043,8 +6043,8 @@
         </p:nvCxnSpPr>
         <p:spPr bwMode="auto">
           <a:xfrm>
-            <a:off x="5382196" y="4293098"/>
-            <a:ext cx="396255" cy="1182927"/>
+            <a:off x="5382196" y="3219824"/>
+            <a:ext cx="396255" cy="887195"/>
           </a:xfrm>
           <a:prstGeom prst="straightConnector1">
             <a:avLst/>
@@ -6072,8 +6072,8 @@
         </p:nvSpPr>
         <p:spPr bwMode="auto">
           <a:xfrm>
-            <a:off x="5188021" y="1628800"/>
-            <a:ext cx="683865" cy="575990"/>
+            <a:off x="5188022" y="1221600"/>
+            <a:ext cx="683865" cy="431993"/>
           </a:xfrm>
           <a:prstGeom prst="ellipse">
             <a:avLst/>
@@ -6152,8 +6152,8 @@
         </p:nvCxnSpPr>
         <p:spPr bwMode="auto">
           <a:xfrm flipH="1">
-            <a:off x="5536669" y="2204792"/>
-            <a:ext cx="16207" cy="462847"/>
+            <a:off x="5536670" y="1653595"/>
+            <a:ext cx="16207" cy="347135"/>
           </a:xfrm>
           <a:prstGeom prst="straightConnector1">
             <a:avLst/>
@@ -6181,8 +6181,8 @@
         </p:nvSpPr>
         <p:spPr bwMode="auto">
           <a:xfrm>
-            <a:off x="6003317" y="3708685"/>
-            <a:ext cx="683865" cy="575990"/>
+            <a:off x="6003318" y="2781513"/>
+            <a:ext cx="683865" cy="431993"/>
           </a:xfrm>
           <a:prstGeom prst="ellipse">
             <a:avLst/>
@@ -6261,8 +6261,8 @@
         </p:nvCxnSpPr>
         <p:spPr bwMode="auto">
           <a:xfrm flipH="1">
-            <a:off x="6587033" y="3168423"/>
-            <a:ext cx="1065052" cy="624614"/>
+            <a:off x="6587033" y="2376317"/>
+            <a:ext cx="1065052" cy="468461"/>
           </a:xfrm>
           <a:prstGeom prst="straightConnector1">
             <a:avLst/>
@@ -6290,8 +6290,8 @@
         </p:nvSpPr>
         <p:spPr bwMode="auto">
           <a:xfrm>
-            <a:off x="7280162" y="3954904"/>
-            <a:ext cx="683865" cy="575990"/>
+            <a:off x="7280163" y="2966178"/>
+            <a:ext cx="683865" cy="431993"/>
           </a:xfrm>
           <a:prstGeom prst="ellipse">
             <a:avLst/>
@@ -6371,8 +6371,8 @@
         </p:nvCxnSpPr>
         <p:spPr bwMode="auto">
           <a:xfrm>
-            <a:off x="7784343" y="3192174"/>
-            <a:ext cx="79534" cy="847082"/>
+            <a:off x="7784343" y="2394130"/>
+            <a:ext cx="79534" cy="635312"/>
           </a:xfrm>
           <a:prstGeom prst="straightConnector1">
             <a:avLst/>
@@ -6402,8 +6402,8 @@
         </p:nvCxnSpPr>
         <p:spPr bwMode="auto">
           <a:xfrm flipH="1">
-            <a:off x="6089741" y="4530896"/>
-            <a:ext cx="1532355" cy="1135199"/>
+            <a:off x="6089742" y="3398173"/>
+            <a:ext cx="1532355" cy="851399"/>
           </a:xfrm>
           <a:prstGeom prst="straightConnector1">
             <a:avLst/>
@@ -6431,8 +6431,8 @@
         </p:nvSpPr>
         <p:spPr bwMode="auto">
           <a:xfrm>
-            <a:off x="1335557" y="5632457"/>
-            <a:ext cx="683865" cy="575990"/>
+            <a:off x="1335558" y="4224343"/>
+            <a:ext cx="683865" cy="431993"/>
           </a:xfrm>
           <a:prstGeom prst="ellipse">
             <a:avLst/>
@@ -6509,8 +6509,8 @@
         </p:nvSpPr>
         <p:spPr bwMode="auto">
           <a:xfrm>
-            <a:off x="6337158" y="2700536"/>
-            <a:ext cx="827131" cy="575990"/>
+            <a:off x="6337159" y="2025402"/>
+            <a:ext cx="827131" cy="431993"/>
           </a:xfrm>
           <a:prstGeom prst="ellipse">
             <a:avLst/>
@@ -6580,8 +6580,8 @@
         </p:nvSpPr>
         <p:spPr bwMode="auto">
           <a:xfrm>
-            <a:off x="7668345" y="2700536"/>
-            <a:ext cx="792088" cy="575990"/>
+            <a:off x="7668345" y="2025402"/>
+            <a:ext cx="792088" cy="431993"/>
           </a:xfrm>
           <a:prstGeom prst="ellipse">
             <a:avLst/>
@@ -6661,8 +6661,8 @@
         </p:nvCxnSpPr>
         <p:spPr bwMode="auto">
           <a:xfrm>
-            <a:off x="5878601" y="2955634"/>
-            <a:ext cx="458557" cy="32899"/>
+            <a:off x="5878602" y="2216726"/>
+            <a:ext cx="458557" cy="24674"/>
           </a:xfrm>
           <a:prstGeom prst="straightConnector1">
             <a:avLst/>
@@ -6693,7 +6693,7 @@
         </p:nvCxnSpPr>
         <p:spPr bwMode="auto">
           <a:xfrm>
-            <a:off x="7164289" y="2988531"/>
+            <a:off x="7164289" y="2241398"/>
             <a:ext cx="504056" cy="0"/>
           </a:xfrm>
           <a:prstGeom prst="straightConnector1">
@@ -6722,7 +6722,7 @@
         </p:nvSpPr>
         <p:spPr>
           <a:xfrm>
-            <a:off x="1090279" y="6381328"/>
+            <a:off x="1090279" y="4785996"/>
             <a:ext cx="1580882" cy="369332"/>
           </a:xfrm>
           <a:prstGeom prst="rect">
@@ -6756,7 +6756,7 @@
         </p:nvSpPr>
         <p:spPr>
           <a:xfrm>
-            <a:off x="5329522" y="6245122"/>
+            <a:off x="5329523" y="4683842"/>
             <a:ext cx="2048959" cy="369332"/>
           </a:xfrm>
           <a:prstGeom prst="rect">
@@ -6792,8 +6792,8 @@
         </p:nvSpPr>
         <p:spPr bwMode="auto">
           <a:xfrm>
-            <a:off x="539552" y="-243408"/>
-            <a:ext cx="8001000" cy="1216025"/>
+            <a:off x="539552" y="-182556"/>
+            <a:ext cx="8001000" cy="912019"/>
           </a:xfrm>
           <a:prstGeom prst="rect">
             <a:avLst/>
@@ -7063,8 +7063,8 @@
         </p:nvSpPr>
         <p:spPr>
           <a:xfrm>
-            <a:off x="7162800" y="6245225"/>
-            <a:ext cx="1981200" cy="476250"/>
+            <a:off x="7162800" y="4683919"/>
+            <a:ext cx="1981200" cy="357188"/>
           </a:xfrm>
           <a:prstGeom prst="rect">
             <a:avLst/>
@@ -7098,8 +7098,8 @@
         </p:nvSpPr>
         <p:spPr bwMode="auto">
           <a:xfrm>
-            <a:off x="567608" y="1914559"/>
-            <a:ext cx="2721049" cy="1738363"/>
+            <a:off x="567609" y="1435920"/>
+            <a:ext cx="2721049" cy="1303772"/>
           </a:xfrm>
           <a:prstGeom prst="foldedCorner">
             <a:avLst>
@@ -7192,8 +7192,8 @@
         </p:nvSpPr>
         <p:spPr bwMode="auto">
           <a:xfrm>
-            <a:off x="1" y="3797946"/>
-            <a:ext cx="4807423" cy="2226783"/>
+            <a:off x="1" y="2848460"/>
+            <a:ext cx="4807423" cy="1670087"/>
           </a:xfrm>
           <a:prstGeom prst="rect">
             <a:avLst/>
@@ -7340,8 +7340,8 @@
         </p:nvSpPr>
         <p:spPr bwMode="auto">
           <a:xfrm>
-            <a:off x="5729067" y="1340768"/>
-            <a:ext cx="1593230" cy="936774"/>
+            <a:off x="5729067" y="1005576"/>
+            <a:ext cx="1593230" cy="702581"/>
           </a:xfrm>
           <a:prstGeom prst="cloudCallout">
             <a:avLst>
@@ -7453,8 +7453,8 @@
         </p:nvGrpSpPr>
         <p:grpSpPr>
           <a:xfrm>
-            <a:off x="6804671" y="2708920"/>
-            <a:ext cx="2375842" cy="3384376"/>
+            <a:off x="6804671" y="2031690"/>
+            <a:ext cx="2375842" cy="2538282"/>
             <a:chOff x="6732240" y="2028079"/>
             <a:chExt cx="2375842" cy="3384376"/>
           </a:xfrm>
@@ -8058,8 +8058,8 @@
         </p:nvGrpSpPr>
         <p:grpSpPr>
           <a:xfrm>
-            <a:off x="4788447" y="2636912"/>
-            <a:ext cx="2375842" cy="3384376"/>
+            <a:off x="4788447" y="1977684"/>
+            <a:ext cx="2375842" cy="2538282"/>
             <a:chOff x="6732240" y="2028079"/>
             <a:chExt cx="2375842" cy="3384376"/>
           </a:xfrm>
@@ -9051,8 +9051,8 @@
         </p:nvSpPr>
         <p:spPr>
           <a:xfrm>
-            <a:off x="7162800" y="6245225"/>
-            <a:ext cx="1981200" cy="476250"/>
+            <a:off x="7162800" y="4683919"/>
+            <a:ext cx="1981200" cy="357188"/>
           </a:xfrm>
           <a:prstGeom prst="rect">
             <a:avLst/>
@@ -9319,8 +9319,8 @@
         </p:nvSpPr>
         <p:spPr>
           <a:xfrm>
-            <a:off x="7162800" y="6245225"/>
-            <a:ext cx="1981200" cy="476250"/>
+            <a:off x="7162800" y="4683919"/>
+            <a:ext cx="1981200" cy="357188"/>
           </a:xfrm>
           <a:prstGeom prst="rect">
             <a:avLst/>
@@ -9571,8 +9571,8 @@
         </p:nvSpPr>
         <p:spPr>
           <a:xfrm>
-            <a:off x="7162800" y="6245225"/>
-            <a:ext cx="1981200" cy="476250"/>
+            <a:off x="7162800" y="4683919"/>
+            <a:ext cx="1981200" cy="357188"/>
           </a:xfrm>
           <a:prstGeom prst="rect">
             <a:avLst/>
@@ -9815,8 +9815,8 @@
         </p:nvSpPr>
         <p:spPr>
           <a:xfrm>
-            <a:off x="7162800" y="6245225"/>
-            <a:ext cx="1981200" cy="476250"/>
+            <a:off x="7162800" y="4683919"/>
+            <a:ext cx="1981200" cy="357188"/>
           </a:xfrm>
           <a:prstGeom prst="rect">
             <a:avLst/>
@@ -9986,8 +9986,8 @@
         </p:blipFill>
         <p:spPr bwMode="auto">
           <a:xfrm>
-            <a:off x="71439" y="2428875"/>
-            <a:ext cx="8847137" cy="2643188"/>
+            <a:off x="71440" y="1821656"/>
+            <a:ext cx="8847137" cy="1982391"/>
           </a:xfrm>
           <a:prstGeom prst="rect">
             <a:avLst/>
@@ -10300,8 +10300,8 @@
         </p:nvSpPr>
         <p:spPr>
           <a:xfrm>
-            <a:off x="7162800" y="6245225"/>
-            <a:ext cx="1981200" cy="476250"/>
+            <a:off x="7162800" y="4683919"/>
+            <a:ext cx="1981200" cy="357188"/>
           </a:xfrm>
           <a:prstGeom prst="rect">
             <a:avLst/>
@@ -10498,8 +10498,8 @@
         </p:nvSpPr>
         <p:spPr>
           <a:xfrm>
-            <a:off x="755576" y="404664"/>
-            <a:ext cx="8001000" cy="4267200"/>
+            <a:off x="755576" y="303498"/>
+            <a:ext cx="8001000" cy="3200400"/>
           </a:xfrm>
         </p:spPr>
         <p:txBody>
@@ -10801,8 +10801,8 @@
         </p:nvSpPr>
         <p:spPr>
           <a:xfrm>
-            <a:off x="7162800" y="6245225"/>
-            <a:ext cx="1981200" cy="476250"/>
+            <a:off x="7162800" y="4683919"/>
+            <a:ext cx="1981200" cy="357188"/>
           </a:xfrm>
           <a:prstGeom prst="rect">
             <a:avLst/>
@@ -10977,8 +10977,8 @@
         </p:nvSpPr>
         <p:spPr>
           <a:xfrm>
-            <a:off x="7162800" y="6245225"/>
-            <a:ext cx="1981200" cy="476250"/>
+            <a:off x="7162800" y="4683919"/>
+            <a:ext cx="1981200" cy="357188"/>
           </a:xfrm>
           <a:prstGeom prst="rect">
             <a:avLst/>
@@ -11250,8 +11250,8 @@
         </p:nvSpPr>
         <p:spPr>
           <a:xfrm>
-            <a:off x="7162800" y="6245225"/>
-            <a:ext cx="1981200" cy="476250"/>
+            <a:off x="7162800" y="4683919"/>
+            <a:ext cx="1981200" cy="357188"/>
           </a:xfrm>
           <a:prstGeom prst="rect">
             <a:avLst/>
@@ -11542,8 +11542,8 @@
         </p:nvSpPr>
         <p:spPr>
           <a:xfrm>
-            <a:off x="7162800" y="6245225"/>
-            <a:ext cx="1981200" cy="476250"/>
+            <a:off x="7162800" y="4683919"/>
+            <a:ext cx="1981200" cy="357188"/>
           </a:xfrm>
           <a:prstGeom prst="rect">
             <a:avLst/>
@@ -11806,8 +11806,8 @@
         </p:nvSpPr>
         <p:spPr>
           <a:xfrm>
-            <a:off x="7162800" y="6245225"/>
-            <a:ext cx="1981200" cy="476250"/>
+            <a:off x="7162800" y="4683919"/>
+            <a:ext cx="1981200" cy="357188"/>
           </a:xfrm>
           <a:prstGeom prst="rect">
             <a:avLst/>
@@ -12098,8 +12098,8 @@
         </p:nvSpPr>
         <p:spPr>
           <a:xfrm>
-            <a:off x="7162800" y="6245225"/>
-            <a:ext cx="1981200" cy="476250"/>
+            <a:off x="7162800" y="4683919"/>
+            <a:ext cx="1981200" cy="357188"/>
           </a:xfrm>
           <a:prstGeom prst="rect">
             <a:avLst/>
@@ -12404,8 +12404,8 @@
         </p:nvSpPr>
         <p:spPr>
           <a:xfrm>
-            <a:off x="7162800" y="6245225"/>
-            <a:ext cx="1981200" cy="476250"/>
+            <a:off x="7162800" y="4683919"/>
+            <a:ext cx="1981200" cy="357188"/>
           </a:xfrm>
           <a:prstGeom prst="rect">
             <a:avLst/>
@@ -12866,8 +12866,8 @@
         </p:nvSpPr>
         <p:spPr>
           <a:xfrm>
-            <a:off x="7162800" y="6245225"/>
-            <a:ext cx="1981200" cy="476250"/>
+            <a:off x="7162800" y="4683919"/>
+            <a:ext cx="1981200" cy="357188"/>
           </a:xfrm>
           <a:prstGeom prst="rect">
             <a:avLst/>
@@ -13037,8 +13037,8 @@
         </p:blipFill>
         <p:spPr bwMode="auto">
           <a:xfrm>
-            <a:off x="6072188" y="214315"/>
-            <a:ext cx="2143125" cy="2117725"/>
+            <a:off x="6072189" y="160736"/>
+            <a:ext cx="2143125" cy="1588294"/>
           </a:xfrm>
           <a:prstGeom prst="rect">
             <a:avLst/>
@@ -13212,8 +13212,8 @@
         </p:nvSpPr>
         <p:spPr>
           <a:xfrm>
-            <a:off x="7162800" y="6245225"/>
-            <a:ext cx="1981200" cy="476250"/>
+            <a:off x="7162800" y="4683919"/>
+            <a:ext cx="1981200" cy="357188"/>
           </a:xfrm>
           <a:prstGeom prst="rect">
             <a:avLst/>
@@ -13432,8 +13432,8 @@
           </p:nvPr>
         </p:nvGraphicFramePr>
         <p:xfrm>
-          <a:off x="395536" y="3407504"/>
-          <a:ext cx="6400800" cy="2397760"/>
+          <a:off x="395536" y="2555628"/>
+          <a:ext cx="6400800" cy="1798320"/>
         </p:xfrm>
         <a:graphic>
           <a:graphicData uri="http://schemas.openxmlformats.org/drawingml/2006/table">
@@ -13447,7 +13447,7 @@
                 <a:gridCol w="1600200"/>
                 <a:gridCol w="1600200"/>
               </a:tblGrid>
-              <a:tr h="452264">
+              <a:tr h="685800">
                 <a:tc>
                   <a:txBody>
                     <a:bodyPr/>
@@ -13471,7 +13471,7 @@
                         <a:defRPr/>
                       </a:pPr>
                       <a:r>
-                        <a:rPr lang="zh-CN" altLang="en-US" sz="1800" kern="1200" dirty="0" smtClean="0">
+                        <a:rPr lang="zh-CN" altLang="en-US" sz="1400" kern="1200" dirty="0" smtClean="0">
                           <a:solidFill>
                             <a:schemeClr val="tx1"/>
                           </a:solidFill>
@@ -13483,7 +13483,7 @@
                       </a:r>
                     </a:p>
                   </a:txBody>
-                  <a:tcPr>
+                  <a:tcPr marT="34290" marB="34290">
                     <a:lnL w="12700" cap="flat" cmpd="sng" algn="ctr">
                       <a:solidFill>
                         <a:schemeClr val="tx1"/>
@@ -13546,7 +13546,7 @@
                         <a:defRPr/>
                       </a:pPr>
                       <a:r>
-                        <a:rPr lang="zh-CN" altLang="en-US" sz="1800" kern="1200" dirty="0" smtClean="0">
+                        <a:rPr lang="zh-CN" altLang="en-US" sz="1400" kern="1200" dirty="0" smtClean="0">
                           <a:solidFill>
                             <a:schemeClr val="tx1"/>
                           </a:solidFill>
@@ -13556,7 +13556,7 @@
                         </a:rPr>
                         <a:t>输入</a:t>
                       </a:r>
-                      <a:endParaRPr lang="en-US" altLang="zh-CN" sz="1800" kern="1200" dirty="0" smtClean="0">
+                      <a:endParaRPr lang="en-US" altLang="zh-CN" sz="1400" kern="1200" dirty="0" smtClean="0">
                         <a:solidFill>
                           <a:schemeClr val="tx1"/>
                         </a:solidFill>
@@ -13584,7 +13584,7 @@
                         <a:defRPr/>
                       </a:pPr>
                       <a:r>
-                        <a:rPr lang="en-US" altLang="zh-CN" sz="1800" kern="1200" dirty="0" err="1" smtClean="0">
+                        <a:rPr lang="en-US" altLang="zh-CN" sz="1400" kern="1200" dirty="0" err="1" smtClean="0">
                           <a:solidFill>
                             <a:schemeClr val="tx1"/>
                           </a:solidFill>
@@ -13594,7 +13594,7 @@
                         </a:rPr>
                         <a:t>a,b,c,x</a:t>
                       </a:r>
-                      <a:endParaRPr lang="zh-CN" altLang="en-US" sz="1800" kern="1200" dirty="0" smtClean="0">
+                      <a:endParaRPr lang="zh-CN" altLang="en-US" sz="1400" kern="1200" dirty="0" smtClean="0">
                         <a:solidFill>
                           <a:schemeClr val="tx1"/>
                         </a:solidFill>
@@ -13604,7 +13604,7 @@
                       </a:endParaRPr>
                     </a:p>
                   </a:txBody>
-                  <a:tcPr>
+                  <a:tcPr marT="34290" marB="34290">
                     <a:lnL w="12700" cap="flat" cmpd="sng" algn="ctr">
                       <a:solidFill>
                         <a:schemeClr val="tx1"/>
@@ -13651,7 +13651,7 @@
                     <a:p>
                       <a:pPr marL="0" algn="l" defTabSz="914400" rtl="0" eaLnBrk="1" latinLnBrk="0" hangingPunct="1"/>
                       <a:r>
-                        <a:rPr lang="zh-CN" altLang="en-US" sz="1800" kern="1200" dirty="0" smtClean="0">
+                        <a:rPr lang="zh-CN" altLang="en-US" sz="1400" kern="1200" dirty="0" smtClean="0">
                           <a:solidFill>
                             <a:schemeClr val="tx1"/>
                           </a:solidFill>
@@ -13661,7 +13661,7 @@
                         </a:rPr>
                         <a:t>预期输出</a:t>
                       </a:r>
-                      <a:endParaRPr lang="en-US" altLang="zh-CN" sz="1800" kern="1200" dirty="0" smtClean="0">
+                      <a:endParaRPr lang="en-US" altLang="zh-CN" sz="1400" kern="1200" dirty="0" smtClean="0">
                         <a:solidFill>
                           <a:schemeClr val="tx1"/>
                         </a:solidFill>
@@ -13689,7 +13689,7 @@
                         <a:defRPr/>
                       </a:pPr>
                       <a:r>
-                        <a:rPr lang="en-US" altLang="zh-CN" sz="1800" kern="1200" dirty="0" err="1" smtClean="0">
+                        <a:rPr lang="en-US" altLang="zh-CN" sz="1400" kern="1200" dirty="0" err="1" smtClean="0">
                           <a:solidFill>
                             <a:schemeClr val="tx1"/>
                           </a:solidFill>
@@ -13699,7 +13699,7 @@
                         </a:rPr>
                         <a:t>a,b,c,x</a:t>
                       </a:r>
-                      <a:endParaRPr lang="zh-CN" altLang="en-US" sz="1800" kern="1200" dirty="0" smtClean="0">
+                      <a:endParaRPr lang="zh-CN" altLang="en-US" sz="1400" kern="1200" dirty="0" smtClean="0">
                         <a:solidFill>
                           <a:schemeClr val="tx1"/>
                         </a:solidFill>
@@ -13710,7 +13710,7 @@
                     </a:p>
                     <a:p>
                       <a:pPr marL="0" algn="l" defTabSz="914400" rtl="0" eaLnBrk="1" latinLnBrk="0" hangingPunct="1"/>
-                      <a:endParaRPr lang="zh-CN" altLang="en-US" sz="1800" kern="1200" dirty="0">
+                      <a:endParaRPr lang="zh-CN" altLang="en-US" sz="1400" kern="1200" dirty="0">
                         <a:solidFill>
                           <a:schemeClr val="tx1"/>
                         </a:solidFill>
@@ -13720,7 +13720,7 @@
                       </a:endParaRPr>
                     </a:p>
                   </a:txBody>
-                  <a:tcPr>
+                  <a:tcPr marT="34290" marB="34290">
                     <a:lnL w="12700" cap="flat" cmpd="sng" algn="ctr">
                       <a:solidFill>
                         <a:schemeClr val="tx1"/>
@@ -13767,7 +13767,7 @@
                     <a:p>
                       <a:pPr marL="0" algn="l" defTabSz="914400" rtl="0" eaLnBrk="1" latinLnBrk="0" hangingPunct="1"/>
                       <a:r>
-                        <a:rPr lang="zh-CN" altLang="en-US" sz="1800" kern="1200" dirty="0" smtClean="0">
+                        <a:rPr lang="zh-CN" altLang="en-US" sz="1400" kern="1200" dirty="0" smtClean="0">
                           <a:solidFill>
                             <a:schemeClr val="tx1"/>
                           </a:solidFill>
@@ -13777,7 +13777,7 @@
                         </a:rPr>
                         <a:t>执行路径</a:t>
                       </a:r>
-                      <a:endParaRPr lang="zh-CN" altLang="en-US" sz="1800" kern="1200" dirty="0">
+                      <a:endParaRPr lang="zh-CN" altLang="en-US" sz="1400" kern="1200" dirty="0">
                         <a:solidFill>
                           <a:schemeClr val="tx1"/>
                         </a:solidFill>
@@ -13787,7 +13787,7 @@
                       </a:endParaRPr>
                     </a:p>
                   </a:txBody>
-                  <a:tcPr>
+                  <a:tcPr marT="34290" marB="34290">
                     <a:lnL w="12700" cap="flat" cmpd="sng" algn="ctr">
                       <a:solidFill>
                         <a:schemeClr val="tx1"/>
@@ -13828,28 +13828,28 @@
                   </a:tcPr>
                 </a:tc>
               </a:tr>
-              <a:tr h="370840">
+              <a:tr h="278130">
                 <a:tc>
                   <a:txBody>
                     <a:bodyPr/>
                     <a:lstStyle/>
                     <a:p>
                       <a:r>
-                        <a:rPr lang="en-US" altLang="zh-CN" b="0" dirty="0" smtClean="0">
+                        <a:rPr lang="en-US" altLang="zh-CN" sz="1400" b="0" dirty="0" smtClean="0">
                           <a:solidFill>
                             <a:schemeClr val="tx1"/>
                           </a:solidFill>
                         </a:rPr>
                         <a:t>TestCase1</a:t>
                       </a:r>
-                      <a:endParaRPr lang="zh-CN" altLang="en-US" b="0" dirty="0">
+                      <a:endParaRPr lang="zh-CN" altLang="en-US" sz="1400" b="0" dirty="0">
                         <a:solidFill>
                           <a:schemeClr val="tx1"/>
                         </a:solidFill>
                       </a:endParaRPr>
                     </a:p>
                   </a:txBody>
-                  <a:tcPr>
+                  <a:tcPr marT="34290" marB="34290">
                     <a:lnL w="12700" cap="flat" cmpd="sng" algn="ctr">
                       <a:solidFill>
                         <a:schemeClr val="tx1"/>
@@ -13895,7 +13895,7 @@
                     <a:lstStyle/>
                     <a:p>
                       <a:r>
-                        <a:rPr lang="en-US" altLang="zh-CN" dirty="0" smtClean="0">
+                        <a:rPr lang="en-US" altLang="zh-CN" sz="1400" dirty="0" smtClean="0">
                           <a:solidFill>
                             <a:schemeClr val="tx1"/>
                           </a:solidFill>
@@ -13903,7 +13903,7 @@
                         <a:t>0,</a:t>
                       </a:r>
                       <a:r>
-                        <a:rPr lang="en-US" altLang="zh-CN" dirty="0" smtClean="0">
+                        <a:rPr lang="en-US" altLang="zh-CN" sz="1400" dirty="0" smtClean="0">
                           <a:solidFill>
                             <a:srgbClr val="FF0000"/>
                           </a:solidFill>
@@ -13911,21 +13911,21 @@
                         <a:t>1</a:t>
                       </a:r>
                       <a:r>
-                        <a:rPr lang="en-US" altLang="zh-CN" dirty="0" smtClean="0">
+                        <a:rPr lang="en-US" altLang="zh-CN" sz="1400" dirty="0" smtClean="0">
                           <a:solidFill>
                             <a:schemeClr val="tx1"/>
                           </a:solidFill>
                         </a:rPr>
                         <a:t>,0,4</a:t>
                       </a:r>
-                      <a:endParaRPr lang="zh-CN" altLang="en-US" dirty="0">
+                      <a:endParaRPr lang="zh-CN" altLang="en-US" sz="1400" dirty="0">
                         <a:solidFill>
                           <a:schemeClr val="tx1"/>
                         </a:solidFill>
                       </a:endParaRPr>
                     </a:p>
                   </a:txBody>
-                  <a:tcPr>
+                  <a:tcPr marT="34290" marB="34290">
                     <a:lnL w="12700" cap="flat" cmpd="sng" algn="ctr">
                       <a:solidFill>
                         <a:schemeClr val="tx1"/>
@@ -13971,21 +13971,21 @@
                     <a:lstStyle/>
                     <a:p>
                       <a:r>
-                        <a:rPr lang="en-US" altLang="zh-CN" dirty="0" smtClean="0">
+                        <a:rPr lang="en-US" altLang="zh-CN" sz="1400" dirty="0" smtClean="0">
                           <a:solidFill>
                             <a:schemeClr val="tx1"/>
                           </a:solidFill>
                         </a:rPr>
                         <a:t>0,1,0,4</a:t>
                       </a:r>
-                      <a:endParaRPr lang="zh-CN" altLang="en-US" dirty="0">
+                      <a:endParaRPr lang="zh-CN" altLang="en-US" sz="1400" dirty="0">
                         <a:solidFill>
                           <a:schemeClr val="tx1"/>
                         </a:solidFill>
                       </a:endParaRPr>
                     </a:p>
                   </a:txBody>
-                  <a:tcPr>
+                  <a:tcPr marT="34290" marB="34290">
                     <a:lnL w="12700" cap="flat" cmpd="sng" algn="ctr">
                       <a:solidFill>
                         <a:schemeClr val="tx1"/>
@@ -14031,21 +14031,21 @@
                     <a:lstStyle/>
                     <a:p>
                       <a:r>
-                        <a:rPr lang="en-US" altLang="zh-CN" dirty="0" smtClean="0">
+                        <a:rPr lang="en-US" altLang="zh-CN" sz="1400" dirty="0" smtClean="0">
                           <a:solidFill>
                             <a:schemeClr val="tx1"/>
                           </a:solidFill>
                         </a:rPr>
                         <a:t>p1,p4</a:t>
                       </a:r>
-                      <a:endParaRPr lang="zh-CN" altLang="en-US" dirty="0">
+                      <a:endParaRPr lang="zh-CN" altLang="en-US" sz="1400" dirty="0">
                         <a:solidFill>
                           <a:schemeClr val="tx1"/>
                         </a:solidFill>
                       </a:endParaRPr>
                     </a:p>
                   </a:txBody>
-                  <a:tcPr>
+                  <a:tcPr marT="34290" marB="34290">
                     <a:lnL w="12700" cap="flat" cmpd="sng" algn="ctr">
                       <a:solidFill>
                         <a:schemeClr val="tx1"/>
@@ -14086,7 +14086,7 @@
                   </a:tcPr>
                 </a:tc>
               </a:tr>
-              <a:tr h="370840">
+              <a:tr h="278130">
                 <a:tc>
                   <a:txBody>
                     <a:bodyPr/>
@@ -14110,21 +14110,21 @@
                         <a:defRPr/>
                       </a:pPr>
                       <a:r>
-                        <a:rPr lang="en-US" altLang="zh-CN" b="0" dirty="0" smtClean="0">
+                        <a:rPr lang="en-US" altLang="zh-CN" sz="1400" b="0" dirty="0" smtClean="0">
                           <a:solidFill>
                             <a:schemeClr val="tx1"/>
                           </a:solidFill>
                         </a:rPr>
                         <a:t>TestCase2</a:t>
                       </a:r>
-                      <a:endParaRPr lang="zh-CN" altLang="en-US" b="0" dirty="0" smtClean="0">
+                      <a:endParaRPr lang="zh-CN" altLang="en-US" sz="1400" b="0" dirty="0" smtClean="0">
                         <a:solidFill>
                           <a:schemeClr val="tx1"/>
                         </a:solidFill>
                       </a:endParaRPr>
                     </a:p>
                   </a:txBody>
-                  <a:tcPr>
+                  <a:tcPr marT="34290" marB="34290">
                     <a:lnL w="12700" cap="flat" cmpd="sng" algn="ctr">
                       <a:solidFill>
                         <a:schemeClr val="tx1"/>
@@ -14170,7 +14170,7 @@
                     <a:lstStyle/>
                     <a:p>
                       <a:r>
-                        <a:rPr lang="en-US" altLang="zh-CN" dirty="0" smtClean="0">
+                        <a:rPr lang="en-US" altLang="zh-CN" sz="1400" dirty="0" smtClean="0">
                           <a:solidFill>
                             <a:schemeClr val="tx1"/>
                           </a:solidFill>
@@ -14178,7 +14178,7 @@
                         <a:t>0,</a:t>
                       </a:r>
                       <a:r>
-                        <a:rPr lang="en-US" altLang="zh-CN" dirty="0" smtClean="0">
+                        <a:rPr lang="en-US" altLang="zh-CN" sz="1400" dirty="0" smtClean="0">
                           <a:solidFill>
                             <a:srgbClr val="FF0000"/>
                           </a:solidFill>
@@ -14186,21 +14186,21 @@
                         <a:t>1</a:t>
                       </a:r>
                       <a:r>
-                        <a:rPr lang="en-US" altLang="zh-CN" dirty="0" smtClean="0">
+                        <a:rPr lang="en-US" altLang="zh-CN" sz="1400" dirty="0" smtClean="0">
                           <a:solidFill>
                             <a:schemeClr val="tx1"/>
                           </a:solidFill>
                         </a:rPr>
                         <a:t>,3,-3</a:t>
                       </a:r>
-                      <a:endParaRPr lang="zh-CN" altLang="en-US" dirty="0">
+                      <a:endParaRPr lang="zh-CN" altLang="en-US" sz="1400" dirty="0">
                         <a:solidFill>
                           <a:schemeClr val="tx1"/>
                         </a:solidFill>
                       </a:endParaRPr>
                     </a:p>
                   </a:txBody>
-                  <a:tcPr>
+                  <a:tcPr marT="34290" marB="34290">
                     <a:lnL w="12700" cap="flat" cmpd="sng" algn="ctr">
                       <a:solidFill>
                         <a:schemeClr val="tx1"/>
@@ -14246,21 +14246,21 @@
                     <a:lstStyle/>
                     <a:p>
                       <a:r>
-                        <a:rPr lang="en-US" altLang="zh-CN" dirty="0" smtClean="0">
+                        <a:rPr lang="en-US" altLang="zh-CN" sz="1400" dirty="0" smtClean="0">
                           <a:solidFill>
                             <a:schemeClr val="tx1"/>
                           </a:solidFill>
                         </a:rPr>
                         <a:t>0,1,3,-3</a:t>
                       </a:r>
-                      <a:endParaRPr lang="zh-CN" altLang="en-US" dirty="0">
+                      <a:endParaRPr lang="zh-CN" altLang="en-US" sz="1400" dirty="0">
                         <a:solidFill>
                           <a:schemeClr val="tx1"/>
                         </a:solidFill>
                       </a:endParaRPr>
                     </a:p>
                   </a:txBody>
-                  <a:tcPr>
+                  <a:tcPr marT="34290" marB="34290">
                     <a:lnL w="12700" cap="flat" cmpd="sng" algn="ctr">
                       <a:solidFill>
                         <a:schemeClr val="tx1"/>
@@ -14306,21 +14306,21 @@
                     <a:lstStyle/>
                     <a:p>
                       <a:r>
-                        <a:rPr lang="en-US" altLang="zh-CN" dirty="0" smtClean="0">
+                        <a:rPr lang="en-US" altLang="zh-CN" sz="1400" dirty="0" smtClean="0">
                           <a:solidFill>
                             <a:schemeClr val="tx1"/>
                           </a:solidFill>
                         </a:rPr>
                         <a:t>p1,p3</a:t>
                       </a:r>
-                      <a:endParaRPr lang="zh-CN" altLang="en-US" dirty="0">
+                      <a:endParaRPr lang="zh-CN" altLang="en-US" sz="1400" dirty="0">
                         <a:solidFill>
                           <a:schemeClr val="tx1"/>
                         </a:solidFill>
                       </a:endParaRPr>
                     </a:p>
                   </a:txBody>
-                  <a:tcPr>
+                  <a:tcPr marT="34290" marB="34290">
                     <a:lnL w="12700" cap="flat" cmpd="sng" algn="ctr">
                       <a:solidFill>
                         <a:schemeClr val="tx1"/>
@@ -14361,28 +14361,28 @@
                   </a:tcPr>
                 </a:tc>
               </a:tr>
-              <a:tr h="370840">
+              <a:tr h="278130">
                 <a:tc>
                   <a:txBody>
                     <a:bodyPr/>
                     <a:lstStyle/>
                     <a:p>
                       <a:r>
-                        <a:rPr lang="en-US" altLang="zh-CN" dirty="0" smtClean="0">
+                        <a:rPr lang="en-US" altLang="zh-CN" sz="1400" dirty="0" smtClean="0">
                           <a:solidFill>
                             <a:schemeClr val="tx1"/>
                           </a:solidFill>
                         </a:rPr>
                         <a:t>TestCase3</a:t>
                       </a:r>
-                      <a:endParaRPr lang="zh-CN" altLang="en-US" dirty="0">
+                      <a:endParaRPr lang="zh-CN" altLang="en-US" sz="1400" dirty="0">
                         <a:solidFill>
                           <a:schemeClr val="tx1"/>
                         </a:solidFill>
                       </a:endParaRPr>
                     </a:p>
                   </a:txBody>
-                  <a:tcPr>
+                  <a:tcPr marT="34290" marB="34290">
                     <a:lnL w="12700" cap="flat" cmpd="sng" algn="ctr">
                       <a:solidFill>
                         <a:schemeClr val="tx1"/>
@@ -14428,7 +14428,7 @@
                     <a:lstStyle/>
                     <a:p>
                       <a:r>
-                        <a:rPr lang="en-US" altLang="zh-CN" dirty="0" smtClean="0">
+                        <a:rPr lang="en-US" altLang="zh-CN" sz="1400" dirty="0" smtClean="0">
                           <a:solidFill>
                             <a:schemeClr val="tx1"/>
                           </a:solidFill>
@@ -14436,7 +14436,7 @@
                         <a:t>2,</a:t>
                       </a:r>
                       <a:r>
-                        <a:rPr lang="en-US" altLang="zh-CN" dirty="0" smtClean="0">
+                        <a:rPr lang="en-US" altLang="zh-CN" sz="1400" dirty="0" smtClean="0">
                           <a:solidFill>
                             <a:srgbClr val="FF0000"/>
                           </a:solidFill>
@@ -14444,21 +14444,21 @@
                         <a:t>1</a:t>
                       </a:r>
                       <a:r>
-                        <a:rPr lang="en-US" altLang="zh-CN" dirty="0" smtClean="0">
+                        <a:rPr lang="en-US" altLang="zh-CN" sz="1400" dirty="0" smtClean="0">
                           <a:solidFill>
                             <a:schemeClr val="tx1"/>
                           </a:solidFill>
                         </a:rPr>
                         <a:t>,0,-3</a:t>
                       </a:r>
-                      <a:endParaRPr lang="zh-CN" altLang="en-US" dirty="0">
+                      <a:endParaRPr lang="zh-CN" altLang="en-US" sz="1400" dirty="0">
                         <a:solidFill>
                           <a:schemeClr val="tx1"/>
                         </a:solidFill>
                       </a:endParaRPr>
                     </a:p>
                   </a:txBody>
-                  <a:tcPr>
+                  <a:tcPr marT="34290" marB="34290">
                     <a:lnL w="12700" cap="flat" cmpd="sng" algn="ctr">
                       <a:solidFill>
                         <a:schemeClr val="tx1"/>
@@ -14504,21 +14504,21 @@
                     <a:lstStyle/>
                     <a:p>
                       <a:r>
-                        <a:rPr lang="en-US" altLang="zh-CN" dirty="0" smtClean="0">
+                        <a:rPr lang="en-US" altLang="zh-CN" sz="1400" dirty="0" smtClean="0">
                           <a:solidFill>
                             <a:schemeClr val="tx1"/>
                           </a:solidFill>
                         </a:rPr>
                         <a:t>2,1,0,1</a:t>
                       </a:r>
-                      <a:endParaRPr lang="zh-CN" altLang="en-US" dirty="0">
+                      <a:endParaRPr lang="zh-CN" altLang="en-US" sz="1400" dirty="0">
                         <a:solidFill>
                           <a:schemeClr val="tx1"/>
                         </a:solidFill>
                       </a:endParaRPr>
                     </a:p>
                   </a:txBody>
-                  <a:tcPr>
+                  <a:tcPr marT="34290" marB="34290">
                     <a:lnL w="12700" cap="flat" cmpd="sng" algn="ctr">
                       <a:solidFill>
                         <a:schemeClr val="tx1"/>
@@ -14564,21 +14564,21 @@
                     <a:lstStyle/>
                     <a:p>
                       <a:r>
-                        <a:rPr lang="en-US" altLang="zh-CN" dirty="0" smtClean="0">
+                        <a:rPr lang="en-US" altLang="zh-CN" sz="1400" dirty="0" smtClean="0">
                           <a:solidFill>
                             <a:schemeClr val="tx1"/>
                           </a:solidFill>
                         </a:rPr>
                         <a:t>p2,p3</a:t>
                       </a:r>
-                      <a:endParaRPr lang="zh-CN" altLang="en-US" dirty="0">
+                      <a:endParaRPr lang="zh-CN" altLang="en-US" sz="1400" dirty="0">
                         <a:solidFill>
                           <a:schemeClr val="tx1"/>
                         </a:solidFill>
                       </a:endParaRPr>
                     </a:p>
                   </a:txBody>
-                  <a:tcPr>
+                  <a:tcPr marT="34290" marB="34290">
                     <a:lnL w="12700" cap="flat" cmpd="sng" algn="ctr">
                       <a:solidFill>
                         <a:schemeClr val="tx1"/>
@@ -14619,28 +14619,28 @@
                   </a:tcPr>
                 </a:tc>
               </a:tr>
-              <a:tr h="370840">
+              <a:tr h="278130">
                 <a:tc>
                   <a:txBody>
                     <a:bodyPr/>
                     <a:lstStyle/>
                     <a:p>
                       <a:r>
-                        <a:rPr lang="en-US" altLang="zh-CN" dirty="0" smtClean="0">
+                        <a:rPr lang="en-US" altLang="zh-CN" sz="1400" dirty="0" smtClean="0">
                           <a:solidFill>
                             <a:schemeClr val="tx1"/>
                           </a:solidFill>
                         </a:rPr>
                         <a:t>TestCase4</a:t>
                       </a:r>
-                      <a:endParaRPr lang="zh-CN" altLang="en-US" dirty="0">
+                      <a:endParaRPr lang="zh-CN" altLang="en-US" sz="1400" dirty="0">
                         <a:solidFill>
                           <a:schemeClr val="tx1"/>
                         </a:solidFill>
                       </a:endParaRPr>
                     </a:p>
                   </a:txBody>
-                  <a:tcPr>
+                  <a:tcPr marT="34290" marB="34290">
                     <a:lnL w="12700" cap="flat" cmpd="sng" algn="ctr">
                       <a:solidFill>
                         <a:schemeClr val="tx1"/>
@@ -14703,7 +14703,7 @@
                         <a:defRPr/>
                       </a:pPr>
                       <a:r>
-                        <a:rPr lang="en-US" altLang="zh-CN" dirty="0" smtClean="0">
+                        <a:rPr lang="en-US" altLang="zh-CN" sz="1400" dirty="0" smtClean="0">
                           <a:solidFill>
                             <a:schemeClr val="tx1"/>
                           </a:solidFill>
@@ -14711,7 +14711,7 @@
                         <a:t>3,</a:t>
                       </a:r>
                       <a:r>
-                        <a:rPr lang="en-US" altLang="zh-CN" dirty="0" smtClean="0">
+                        <a:rPr lang="en-US" altLang="zh-CN" sz="1400" dirty="0" smtClean="0">
                           <a:solidFill>
                             <a:srgbClr val="FF0000"/>
                           </a:solidFill>
@@ -14719,21 +14719,21 @@
                         <a:t>1</a:t>
                       </a:r>
                       <a:r>
-                        <a:rPr lang="en-US" altLang="zh-CN" dirty="0" smtClean="0">
+                        <a:rPr lang="en-US" altLang="zh-CN" sz="1400" dirty="0" smtClean="0">
                           <a:solidFill>
                             <a:schemeClr val="tx1"/>
                           </a:solidFill>
                         </a:rPr>
                         <a:t>,0,-3</a:t>
                       </a:r>
-                      <a:endParaRPr lang="zh-CN" altLang="en-US" dirty="0" smtClean="0">
+                      <a:endParaRPr lang="zh-CN" altLang="en-US" sz="1400" dirty="0" smtClean="0">
                         <a:solidFill>
                           <a:schemeClr val="tx1"/>
                         </a:solidFill>
                       </a:endParaRPr>
                     </a:p>
                   </a:txBody>
-                  <a:tcPr>
+                  <a:tcPr marT="34290" marB="34290">
                     <a:lnL w="12700" cap="flat" cmpd="sng" algn="ctr">
                       <a:solidFill>
                         <a:schemeClr val="tx1"/>
@@ -14796,21 +14796,21 @@
                         <a:defRPr/>
                       </a:pPr>
                       <a:r>
-                        <a:rPr lang="en-US" altLang="zh-CN" dirty="0" smtClean="0">
+                        <a:rPr lang="en-US" altLang="zh-CN" sz="1400" dirty="0" smtClean="0">
                           <a:solidFill>
                             <a:schemeClr val="tx1"/>
                           </a:solidFill>
                         </a:rPr>
                         <a:t>3,1,0,1</a:t>
                       </a:r>
-                      <a:endParaRPr lang="zh-CN" altLang="en-US" dirty="0" smtClean="0">
+                      <a:endParaRPr lang="zh-CN" altLang="en-US" sz="1400" dirty="0" smtClean="0">
                         <a:solidFill>
                           <a:schemeClr val="tx1"/>
                         </a:solidFill>
                       </a:endParaRPr>
                     </a:p>
                   </a:txBody>
-                  <a:tcPr>
+                  <a:tcPr marT="34290" marB="34290">
                     <a:lnL w="12700" cap="flat" cmpd="sng" algn="ctr">
                       <a:solidFill>
                         <a:schemeClr val="tx1"/>
@@ -14856,21 +14856,21 @@
                     <a:lstStyle/>
                     <a:p>
                       <a:r>
-                        <a:rPr lang="en-US" altLang="zh-CN" dirty="0" smtClean="0">
+                        <a:rPr lang="en-US" altLang="zh-CN" sz="1400" dirty="0" smtClean="0">
                           <a:solidFill>
                             <a:schemeClr val="tx1"/>
                           </a:solidFill>
                         </a:rPr>
                         <a:t>p2,p4</a:t>
                       </a:r>
-                      <a:endParaRPr lang="zh-CN" altLang="en-US" dirty="0">
+                      <a:endParaRPr lang="zh-CN" altLang="en-US" sz="1400" dirty="0">
                         <a:solidFill>
                           <a:schemeClr val="tx1"/>
                         </a:solidFill>
                       </a:endParaRPr>
                     </a:p>
                   </a:txBody>
-                  <a:tcPr>
+                  <a:tcPr marT="34290" marB="34290">
                     <a:lnL w="12700" cap="flat" cmpd="sng" algn="ctr">
                       <a:solidFill>
                         <a:schemeClr val="tx1"/>
@@ -14927,8 +14927,8 @@
         </p:nvSpPr>
         <p:spPr>
           <a:xfrm>
-            <a:off x="7162800" y="6245225"/>
-            <a:ext cx="1981200" cy="476250"/>
+            <a:off x="7162800" y="4683919"/>
+            <a:ext cx="1981200" cy="357188"/>
           </a:xfrm>
           <a:prstGeom prst="rect">
             <a:avLst/>
@@ -14975,8 +14975,8 @@
         </p:blipFill>
         <p:spPr bwMode="auto">
           <a:xfrm>
-            <a:off x="7524329" y="476673"/>
-            <a:ext cx="3781762" cy="5566817"/>
+            <a:off x="5076056" y="750979"/>
+            <a:ext cx="3781762" cy="4175113"/>
           </a:xfrm>
           <a:prstGeom prst="rect">
             <a:avLst/>
@@ -15014,7 +15014,7 @@
         </p:nvSpPr>
         <p:spPr>
           <a:xfrm>
-            <a:off x="395536" y="1268760"/>
+            <a:off x="395536" y="951570"/>
             <a:ext cx="6264696" cy="1938992"/>
           </a:xfrm>
           <a:prstGeom prst="rect">
@@ -15738,8 +15738,8 @@
         </p:blipFill>
         <p:spPr bwMode="auto">
           <a:xfrm>
-            <a:off x="4446589" y="214313"/>
-            <a:ext cx="4340225" cy="6286500"/>
+            <a:off x="4446590" y="160735"/>
+            <a:ext cx="4340225" cy="4714875"/>
           </a:xfrm>
           <a:prstGeom prst="rect">
             <a:avLst/>
@@ -16622,8 +16622,8 @@
         </p:blipFill>
         <p:spPr bwMode="auto">
           <a:xfrm>
-            <a:off x="357189" y="2500315"/>
-            <a:ext cx="8389937" cy="2643187"/>
+            <a:off x="357189" y="1875237"/>
+            <a:ext cx="8389937" cy="1982390"/>
           </a:xfrm>
           <a:prstGeom prst="rect">
             <a:avLst/>
@@ -17053,8 +17053,8 @@
         </p:nvSpPr>
         <p:spPr>
           <a:xfrm>
-            <a:off x="7162800" y="6245225"/>
-            <a:ext cx="1981200" cy="476250"/>
+            <a:off x="7162800" y="4683919"/>
+            <a:ext cx="1981200" cy="357188"/>
           </a:xfrm>
           <a:prstGeom prst="rect">
             <a:avLst/>
@@ -17369,8 +17369,8 @@
         </p:nvSpPr>
         <p:spPr>
           <a:xfrm>
-            <a:off x="971600" y="4437113"/>
-            <a:ext cx="1440160" cy="667961"/>
+            <a:off x="971600" y="3327835"/>
+            <a:ext cx="1440160" cy="500971"/>
           </a:xfrm>
           <a:prstGeom prst="diamond">
             <a:avLst/>
@@ -17415,8 +17415,8 @@
         </p:nvSpPr>
         <p:spPr>
           <a:xfrm>
-            <a:off x="1024717" y="5589240"/>
-            <a:ext cx="1368152" cy="360040"/>
+            <a:off x="1024717" y="4191930"/>
+            <a:ext cx="1368152" cy="270030"/>
           </a:xfrm>
           <a:prstGeom prst="rect">
             <a:avLst/>
@@ -17464,8 +17464,8 @@
         </p:nvCxnSpPr>
         <p:spPr>
           <a:xfrm>
-            <a:off x="1691681" y="5105072"/>
-            <a:ext cx="17113" cy="484168"/>
+            <a:off x="1691682" y="3828804"/>
+            <a:ext cx="17113" cy="363126"/>
           </a:xfrm>
           <a:prstGeom prst="straightConnector1">
             <a:avLst/>
@@ -17502,8 +17502,8 @@
         </p:nvCxnSpPr>
         <p:spPr>
           <a:xfrm>
-            <a:off x="2411760" y="4771092"/>
-            <a:ext cx="648072" cy="1466220"/>
+            <a:off x="2411760" y="3578319"/>
+            <a:ext cx="648072" cy="1099665"/>
           </a:xfrm>
           <a:prstGeom prst="bentConnector2">
             <a:avLst/>
@@ -17541,8 +17541,8 @@
         </p:nvCxnSpPr>
         <p:spPr>
           <a:xfrm rot="5400000" flipH="1">
-            <a:off x="751103" y="4991591"/>
-            <a:ext cx="1178188" cy="737193"/>
+            <a:off x="898377" y="3651544"/>
+            <a:ext cx="883641" cy="737193"/>
           </a:xfrm>
           <a:prstGeom prst="bentConnector4">
             <a:avLst>
@@ -17580,8 +17580,8 @@
         </p:nvCxnSpPr>
         <p:spPr>
           <a:xfrm>
-            <a:off x="1657927" y="3952943"/>
-            <a:ext cx="17113" cy="484168"/>
+            <a:off x="1657928" y="2964707"/>
+            <a:ext cx="17113" cy="363126"/>
           </a:xfrm>
           <a:prstGeom prst="straightConnector1">
             <a:avLst/>
@@ -17616,7 +17616,7 @@
         </p:nvSpPr>
         <p:spPr>
           <a:xfrm>
-            <a:off x="1475656" y="4581128"/>
+            <a:off x="1475656" y="3435846"/>
             <a:ext cx="364202" cy="369332"/>
           </a:xfrm>
           <a:prstGeom prst="rect">
@@ -17646,7 +17646,7 @@
         </p:nvSpPr>
         <p:spPr>
           <a:xfrm>
-            <a:off x="1520800" y="5589240"/>
+            <a:off x="1520800" y="4191930"/>
             <a:ext cx="360996" cy="369332"/>
           </a:xfrm>
           <a:prstGeom prst="rect">
@@ -17679,8 +17679,8 @@
         </p:nvCxnSpPr>
         <p:spPr>
           <a:xfrm flipH="1">
-            <a:off x="4572001" y="4978530"/>
-            <a:ext cx="36481" cy="426392"/>
+            <a:off x="4572001" y="3826231"/>
+            <a:ext cx="36481" cy="227460"/>
           </a:xfrm>
           <a:prstGeom prst="straightConnector1">
             <a:avLst/>
@@ -17717,8 +17717,8 @@
         </p:nvCxnSpPr>
         <p:spPr>
           <a:xfrm>
-            <a:off x="5292080" y="5645191"/>
-            <a:ext cx="648072" cy="844151"/>
+            <a:off x="5292080" y="4233894"/>
+            <a:ext cx="648072" cy="633113"/>
           </a:xfrm>
           <a:prstGeom prst="bentConnector2">
             <a:avLst/>
@@ -17753,8 +17753,8 @@
         </p:nvCxnSpPr>
         <p:spPr>
           <a:xfrm rot="5400000" flipH="1">
-            <a:off x="3703431" y="4927766"/>
-            <a:ext cx="1178188" cy="737193"/>
+            <a:off x="3850705" y="3603676"/>
+            <a:ext cx="883641" cy="737193"/>
           </a:xfrm>
           <a:prstGeom prst="bentConnector4">
             <a:avLst>
@@ -17792,8 +17792,8 @@
         </p:nvCxnSpPr>
         <p:spPr>
           <a:xfrm>
-            <a:off x="4563444" y="4149080"/>
-            <a:ext cx="17113" cy="484168"/>
+            <a:off x="4563445" y="3111810"/>
+            <a:ext cx="17113" cy="363126"/>
           </a:xfrm>
           <a:prstGeom prst="straightConnector1">
             <a:avLst/>
@@ -17828,7 +17828,7 @@
         </p:nvSpPr>
         <p:spPr>
           <a:xfrm>
-            <a:off x="4427984" y="4609198"/>
+            <a:off x="4427984" y="3456899"/>
             <a:ext cx="360996" cy="369332"/>
           </a:xfrm>
           <a:prstGeom prst="rect">
@@ -17858,7 +17858,7 @@
         </p:nvSpPr>
         <p:spPr>
           <a:xfrm>
-            <a:off x="4473128" y="5525415"/>
+            <a:off x="4473128" y="4144061"/>
             <a:ext cx="442750" cy="369332"/>
           </a:xfrm>
           <a:prstGeom prst="rect">
@@ -17888,8 +17888,8 @@
         </p:nvSpPr>
         <p:spPr>
           <a:xfrm>
-            <a:off x="3943291" y="4619142"/>
-            <a:ext cx="1368152" cy="360040"/>
+            <a:off x="3943291" y="3464357"/>
+            <a:ext cx="1368152" cy="270030"/>
           </a:xfrm>
           <a:prstGeom prst="rect">
             <a:avLst/>
@@ -17934,8 +17934,8 @@
         </p:nvSpPr>
         <p:spPr>
           <a:xfrm>
-            <a:off x="3851921" y="5404922"/>
-            <a:ext cx="1440160" cy="480534"/>
+            <a:off x="3851921" y="4053691"/>
+            <a:ext cx="1440160" cy="360401"/>
           </a:xfrm>
           <a:prstGeom prst="diamond">
             <a:avLst/>
@@ -17980,8 +17980,8 @@
         </p:nvSpPr>
         <p:spPr>
           <a:xfrm>
-            <a:off x="7020273" y="4201202"/>
-            <a:ext cx="1440160" cy="667961"/>
+            <a:off x="7020273" y="3150902"/>
+            <a:ext cx="1440160" cy="500971"/>
           </a:xfrm>
           <a:prstGeom prst="diamond">
             <a:avLst/>
@@ -18026,8 +18026,8 @@
         </p:nvSpPr>
         <p:spPr>
           <a:xfrm>
-            <a:off x="6513301" y="5268291"/>
-            <a:ext cx="1368152" cy="360040"/>
+            <a:off x="6513301" y="3951218"/>
+            <a:ext cx="1368152" cy="270030"/>
           </a:xfrm>
           <a:prstGeom prst="rect">
             <a:avLst/>
@@ -18074,8 +18074,8 @@
         </p:nvCxnSpPr>
         <p:spPr>
           <a:xfrm>
-            <a:off x="8460432" y="4535183"/>
-            <a:ext cx="648072" cy="1666127"/>
+            <a:off x="8460432" y="3401388"/>
+            <a:ext cx="648072" cy="1249595"/>
           </a:xfrm>
           <a:prstGeom prst="bentConnector2">
             <a:avLst/>
@@ -18110,8 +18110,8 @@
         </p:nvCxnSpPr>
         <p:spPr>
           <a:xfrm>
-            <a:off x="7706599" y="3717032"/>
-            <a:ext cx="17113" cy="484168"/>
+            <a:off x="7706600" y="2787774"/>
+            <a:ext cx="17113" cy="363126"/>
           </a:xfrm>
           <a:prstGeom prst="straightConnector1">
             <a:avLst/>
@@ -18146,7 +18146,7 @@
         </p:nvSpPr>
         <p:spPr>
           <a:xfrm>
-            <a:off x="7524328" y="4345217"/>
+            <a:off x="7524328" y="3258913"/>
             <a:ext cx="364202" cy="369332"/>
           </a:xfrm>
           <a:prstGeom prst="rect">
@@ -18176,7 +18176,7 @@
         </p:nvSpPr>
         <p:spPr>
           <a:xfrm>
-            <a:off x="7016879" y="5258999"/>
+            <a:off x="7016879" y="3944249"/>
             <a:ext cx="360996" cy="369332"/>
           </a:xfrm>
           <a:prstGeom prst="rect">
@@ -18208,8 +18208,8 @@
         </p:nvCxnSpPr>
         <p:spPr>
           <a:xfrm rot="10800000" flipV="1">
-            <a:off x="6804249" y="4535181"/>
-            <a:ext cx="216025" cy="733110"/>
+            <a:off x="6804250" y="3401386"/>
+            <a:ext cx="216025" cy="549833"/>
           </a:xfrm>
           <a:prstGeom prst="bentConnector2">
             <a:avLst/>
@@ -18244,8 +18244,8 @@
         </p:nvCxnSpPr>
         <p:spPr>
           <a:xfrm>
-            <a:off x="7020274" y="5628333"/>
-            <a:ext cx="2088231" cy="572977"/>
+            <a:off x="7020275" y="4221250"/>
+            <a:ext cx="2088231" cy="429733"/>
           </a:xfrm>
           <a:prstGeom prst="bentConnector3">
             <a:avLst>
@@ -18282,8 +18282,8 @@
         </p:nvSpPr>
         <p:spPr>
           <a:xfrm>
-            <a:off x="2267744" y="6237312"/>
-            <a:ext cx="4929633" cy="504056"/>
+            <a:off x="2267745" y="4677984"/>
+            <a:ext cx="4929633" cy="378042"/>
           </a:xfrm>
           <a:prstGeom prst="curvedUpArrow">
             <a:avLst/>
@@ -18376,8 +18376,8 @@
         </p:nvSpPr>
         <p:spPr>
           <a:xfrm>
-            <a:off x="539552" y="2636914"/>
-            <a:ext cx="8001000" cy="1216025"/>
+            <a:off x="539552" y="1977686"/>
+            <a:ext cx="8001000" cy="912019"/>
           </a:xfrm>
         </p:spPr>
         <p:txBody>
@@ -18514,22 +18514,18 @@
             <a:pPr lvl="1"/>
             <a:r>
               <a:rPr lang="zh-CN" altLang="en-US" b="1" dirty="0" smtClean="0"/>
-              <a:t>节点有带标号的圆圈表示</a:t>
-            </a:r>
-            <a:r>
-              <a:rPr lang="zh-CN" altLang="en-US" b="1" smtClean="0"/>
-              <a:t>，</a:t>
-            </a:r>
-            <a:r>
-              <a:rPr lang="zh-CN" altLang="en-US" b="1" smtClean="0"/>
+              <a:t>节点有带标号的圆圈表示，</a:t>
+            </a:r>
+            <a:r>
+              <a:rPr lang="zh-CN" altLang="en-US" b="1" dirty="0" smtClean="0"/>
               <a:t>表示无</a:t>
             </a:r>
             <a:r>
-              <a:rPr lang="zh-CN" altLang="en-US" b="1" smtClean="0"/>
+              <a:rPr lang="zh-CN" altLang="en-US" b="1" dirty="0" smtClean="0"/>
               <a:t>分支</a:t>
             </a:r>
             <a:r>
-              <a:rPr lang="zh-CN" altLang="en-US" b="1" smtClean="0"/>
+              <a:rPr lang="zh-CN" altLang="en-US" b="1" dirty="0" smtClean="0"/>
               <a:t>的一条或多条源程序</a:t>
             </a:r>
             <a:r>
@@ -18560,8 +18556,8 @@
         </p:nvSpPr>
         <p:spPr>
           <a:xfrm>
-            <a:off x="7162800" y="6245225"/>
-            <a:ext cx="1981200" cy="476250"/>
+            <a:off x="7162800" y="4683919"/>
+            <a:ext cx="1981200" cy="357188"/>
           </a:xfrm>
           <a:prstGeom prst="rect">
             <a:avLst/>
@@ -18688,8 +18684,8 @@
         </p:nvSpPr>
         <p:spPr>
           <a:xfrm>
-            <a:off x="7162800" y="6245225"/>
-            <a:ext cx="1981200" cy="476250"/>
+            <a:off x="7162800" y="4683919"/>
+            <a:ext cx="1981200" cy="357188"/>
           </a:xfrm>
           <a:prstGeom prst="rect">
             <a:avLst/>
@@ -18957,8 +18953,8 @@
         </p:blipFill>
         <p:spPr bwMode="auto">
           <a:xfrm>
-            <a:off x="683568" y="2465566"/>
-            <a:ext cx="2685274" cy="3286125"/>
+            <a:off x="683568" y="1849175"/>
+            <a:ext cx="2685274" cy="2464594"/>
           </a:xfrm>
           <a:prstGeom prst="rect">
             <a:avLst/>
@@ -19009,8 +19005,8 @@
         </p:blipFill>
         <p:spPr bwMode="auto">
           <a:xfrm>
-            <a:off x="4604647" y="2492894"/>
-            <a:ext cx="2415828" cy="3286125"/>
+            <a:off x="4604647" y="1869671"/>
+            <a:ext cx="2415828" cy="2464594"/>
           </a:xfrm>
           <a:prstGeom prst="rect">
             <a:avLst/>
@@ -19112,8 +19108,8 @@
         </p:nvSpPr>
         <p:spPr>
           <a:xfrm>
-            <a:off x="7162800" y="6245225"/>
-            <a:ext cx="1981200" cy="476250"/>
+            <a:off x="7162800" y="4683919"/>
+            <a:ext cx="1981200" cy="357188"/>
           </a:xfrm>
           <a:prstGeom prst="rect">
             <a:avLst/>
@@ -19160,8 +19156,8 @@
         </p:blipFill>
         <p:spPr bwMode="auto">
           <a:xfrm>
-            <a:off x="303214" y="2321719"/>
-            <a:ext cx="8537575" cy="2214562"/>
+            <a:off x="303214" y="1741289"/>
+            <a:ext cx="8537575" cy="1660922"/>
           </a:xfrm>
           <a:prstGeom prst="rect">
             <a:avLst/>
@@ -19270,8 +19266,8 @@
         </p:nvSpPr>
         <p:spPr>
           <a:xfrm>
-            <a:off x="611560" y="1844824"/>
-            <a:ext cx="8001000" cy="4267200"/>
+            <a:off x="611560" y="1383618"/>
+            <a:ext cx="8001000" cy="3200400"/>
           </a:xfrm>
         </p:spPr>
         <p:txBody>
@@ -19347,8 +19343,8 @@
         </p:nvSpPr>
         <p:spPr>
           <a:xfrm>
-            <a:off x="7162800" y="6245225"/>
-            <a:ext cx="1981200" cy="476250"/>
+            <a:off x="7162800" y="4683919"/>
+            <a:ext cx="1981200" cy="357188"/>
           </a:xfrm>
           <a:prstGeom prst="rect">
             <a:avLst/>
@@ -19518,8 +19514,8 @@
         </p:blipFill>
         <p:spPr bwMode="auto">
           <a:xfrm>
-            <a:off x="6084168" y="260648"/>
-            <a:ext cx="3143250" cy="3106738"/>
+            <a:off x="6084168" y="195486"/>
+            <a:ext cx="3143250" cy="2330054"/>
           </a:xfrm>
           <a:prstGeom prst="rect">
             <a:avLst/>
@@ -19676,8 +19672,8 @@
         </p:nvSpPr>
         <p:spPr>
           <a:xfrm>
-            <a:off x="7162800" y="6245225"/>
-            <a:ext cx="1981200" cy="476250"/>
+            <a:off x="7162800" y="4683919"/>
+            <a:ext cx="1981200" cy="357188"/>
           </a:xfrm>
           <a:prstGeom prst="rect">
             <a:avLst/>
